--- a/PaperFigure.pptx
+++ b/PaperFigure.pptx
@@ -16,6 +16,7 @@
     <p:sldId id="263" r:id="rId10"/>
     <p:sldId id="266" r:id="rId11"/>
     <p:sldId id="265" r:id="rId12"/>
+    <p:sldId id="267" r:id="rId13"/>
   </p:sldIdLst>
   <p:sldSz cx="12192000" cy="6858000"/>
   <p:notesSz cx="6858000" cy="9144000"/>
@@ -280,7 +281,7 @@
           <a:p>
             <a:fld id="{B361CD85-AD2E-42D8-8340-E0D05DD4FD27}" type="datetimeFigureOut">
               <a:rPr lang="en-US" smtClean="0"/>
-              <a:t>12/21/2024</a:t>
+              <a:t>12/22/2024</a:t>
             </a:fld>
             <a:endParaRPr lang="en-US"/>
           </a:p>
@@ -478,7 +479,7 @@
           <a:p>
             <a:fld id="{B361CD85-AD2E-42D8-8340-E0D05DD4FD27}" type="datetimeFigureOut">
               <a:rPr lang="en-US" smtClean="0"/>
-              <a:t>12/21/2024</a:t>
+              <a:t>12/22/2024</a:t>
             </a:fld>
             <a:endParaRPr lang="en-US"/>
           </a:p>
@@ -686,7 +687,7 @@
           <a:p>
             <a:fld id="{B361CD85-AD2E-42D8-8340-E0D05DD4FD27}" type="datetimeFigureOut">
               <a:rPr lang="en-US" smtClean="0"/>
-              <a:t>12/21/2024</a:t>
+              <a:t>12/22/2024</a:t>
             </a:fld>
             <a:endParaRPr lang="en-US"/>
           </a:p>
@@ -884,7 +885,7 @@
           <a:p>
             <a:fld id="{B361CD85-AD2E-42D8-8340-E0D05DD4FD27}" type="datetimeFigureOut">
               <a:rPr lang="en-US" smtClean="0"/>
-              <a:t>12/21/2024</a:t>
+              <a:t>12/22/2024</a:t>
             </a:fld>
             <a:endParaRPr lang="en-US"/>
           </a:p>
@@ -1159,7 +1160,7 @@
           <a:p>
             <a:fld id="{B361CD85-AD2E-42D8-8340-E0D05DD4FD27}" type="datetimeFigureOut">
               <a:rPr lang="en-US" smtClean="0"/>
-              <a:t>12/21/2024</a:t>
+              <a:t>12/22/2024</a:t>
             </a:fld>
             <a:endParaRPr lang="en-US"/>
           </a:p>
@@ -1424,7 +1425,7 @@
           <a:p>
             <a:fld id="{B361CD85-AD2E-42D8-8340-E0D05DD4FD27}" type="datetimeFigureOut">
               <a:rPr lang="en-US" smtClean="0"/>
-              <a:t>12/21/2024</a:t>
+              <a:t>12/22/2024</a:t>
             </a:fld>
             <a:endParaRPr lang="en-US"/>
           </a:p>
@@ -1836,7 +1837,7 @@
           <a:p>
             <a:fld id="{B361CD85-AD2E-42D8-8340-E0D05DD4FD27}" type="datetimeFigureOut">
               <a:rPr lang="en-US" smtClean="0"/>
-              <a:t>12/21/2024</a:t>
+              <a:t>12/22/2024</a:t>
             </a:fld>
             <a:endParaRPr lang="en-US"/>
           </a:p>
@@ -1977,7 +1978,7 @@
           <a:p>
             <a:fld id="{B361CD85-AD2E-42D8-8340-E0D05DD4FD27}" type="datetimeFigureOut">
               <a:rPr lang="en-US" smtClean="0"/>
-              <a:t>12/21/2024</a:t>
+              <a:t>12/22/2024</a:t>
             </a:fld>
             <a:endParaRPr lang="en-US"/>
           </a:p>
@@ -2090,7 +2091,7 @@
           <a:p>
             <a:fld id="{B361CD85-AD2E-42D8-8340-E0D05DD4FD27}" type="datetimeFigureOut">
               <a:rPr lang="en-US" smtClean="0"/>
-              <a:t>12/21/2024</a:t>
+              <a:t>12/22/2024</a:t>
             </a:fld>
             <a:endParaRPr lang="en-US"/>
           </a:p>
@@ -2401,7 +2402,7 @@
           <a:p>
             <a:fld id="{B361CD85-AD2E-42D8-8340-E0D05DD4FD27}" type="datetimeFigureOut">
               <a:rPr lang="en-US" smtClean="0"/>
-              <a:t>12/21/2024</a:t>
+              <a:t>12/22/2024</a:t>
             </a:fld>
             <a:endParaRPr lang="en-US"/>
           </a:p>
@@ -2689,7 +2690,7 @@
           <a:p>
             <a:fld id="{B361CD85-AD2E-42D8-8340-E0D05DD4FD27}" type="datetimeFigureOut">
               <a:rPr lang="en-US" smtClean="0"/>
-              <a:t>12/21/2024</a:t>
+              <a:t>12/22/2024</a:t>
             </a:fld>
             <a:endParaRPr lang="en-US"/>
           </a:p>
@@ -2930,7 +2931,7 @@
           <a:p>
             <a:fld id="{B361CD85-AD2E-42D8-8340-E0D05DD4FD27}" type="datetimeFigureOut">
               <a:rPr lang="en-US" smtClean="0"/>
-              <a:t>12/21/2024</a:t>
+              <a:t>12/22/2024</a:t>
             </a:fld>
             <a:endParaRPr lang="en-US"/>
           </a:p>
@@ -3651,7 +3652,7 @@
             <a:picLocks noChangeAspect="1"/>
             <a:extLst>
               <a:ext uri="{51228E76-BA90-4043-B771-695A4F85340A}">
-                <alf:liveFeedProps xmlns:alf="http://schemas.microsoft.com/office/drawing/2021/livefeed"/>
+                <alf:liveFeedProps xmlns:alf="http://schemas.microsoft.com/office/drawing/2021/livefeed" xmlns=""/>
               </a:ext>
             </a:extLst>
           </p:cNvPicPr>
@@ -11414,6 +11415,156 @@
     <p:extLst>
       <p:ext uri="{BB962C8B-B14F-4D97-AF65-F5344CB8AC3E}">
         <p14:creationId xmlns:p14="http://schemas.microsoft.com/office/powerpoint/2010/main" val="567728183"/>
+      </p:ext>
+    </p:extLst>
+  </p:cSld>
+  <p:clrMapOvr>
+    <a:masterClrMapping/>
+  </p:clrMapOvr>
+</p:sld>
+</file>
+
+<file path=ppt/slides/slide12.xml><?xml version="1.0" encoding="utf-8"?>
+<p:sld xmlns:a="http://schemas.openxmlformats.org/drawingml/2006/main" xmlns:r="http://schemas.openxmlformats.org/officeDocument/2006/relationships" xmlns:p="http://schemas.openxmlformats.org/presentationml/2006/main">
+  <p:cSld>
+    <p:spTree>
+      <p:nvGrpSpPr>
+        <p:cNvPr id="1" name=""/>
+        <p:cNvGrpSpPr/>
+        <p:nvPr/>
+      </p:nvGrpSpPr>
+      <p:grpSpPr>
+        <a:xfrm>
+          <a:off x="0" y="0"/>
+          <a:ext cx="0" cy="0"/>
+          <a:chOff x="0" y="0"/>
+          <a:chExt cx="0" cy="0"/>
+        </a:xfrm>
+      </p:grpSpPr>
+      <p:pic>
+        <p:nvPicPr>
+          <p:cNvPr id="3" name="Picture 2">
+            <a:extLst>
+              <a:ext uri="{FF2B5EF4-FFF2-40B4-BE49-F238E27FC236}">
+                <a16:creationId xmlns:a16="http://schemas.microsoft.com/office/drawing/2014/main" id="{BEC428C2-6256-4CEA-9DAD-A80E3B5D9129}"/>
+              </a:ext>
+            </a:extLst>
+          </p:cNvPr>
+          <p:cNvPicPr>
+            <a:picLocks noChangeAspect="1"/>
+          </p:cNvPicPr>
+          <p:nvPr/>
+        </p:nvPicPr>
+        <p:blipFill>
+          <a:blip r:embed="rId2"/>
+          <a:stretch>
+            <a:fillRect/>
+          </a:stretch>
+        </p:blipFill>
+        <p:spPr>
+          <a:xfrm>
+            <a:off x="6096000" y="4920625"/>
+            <a:ext cx="4934689" cy="3701017"/>
+          </a:xfrm>
+          <a:prstGeom prst="rect">
+            <a:avLst/>
+          </a:prstGeom>
+        </p:spPr>
+      </p:pic>
+      <p:pic>
+        <p:nvPicPr>
+          <p:cNvPr id="4" name="Picture 3">
+            <a:extLst>
+              <a:ext uri="{FF2B5EF4-FFF2-40B4-BE49-F238E27FC236}">
+                <a16:creationId xmlns:a16="http://schemas.microsoft.com/office/drawing/2014/main" id="{67B20229-B611-40BA-948B-6E212889FB41}"/>
+              </a:ext>
+            </a:extLst>
+          </p:cNvPr>
+          <p:cNvPicPr>
+            <a:picLocks noChangeAspect="1"/>
+          </p:cNvPicPr>
+          <p:nvPr/>
+        </p:nvPicPr>
+        <p:blipFill>
+          <a:blip r:embed="rId3"/>
+          <a:stretch>
+            <a:fillRect/>
+          </a:stretch>
+        </p:blipFill>
+        <p:spPr>
+          <a:xfrm>
+            <a:off x="6055046" y="227966"/>
+            <a:ext cx="5743854" cy="4603289"/>
+          </a:xfrm>
+          <a:prstGeom prst="rect">
+            <a:avLst/>
+          </a:prstGeom>
+        </p:spPr>
+      </p:pic>
+      <p:pic>
+        <p:nvPicPr>
+          <p:cNvPr id="6" name="Picture 5">
+            <a:extLst>
+              <a:ext uri="{FF2B5EF4-FFF2-40B4-BE49-F238E27FC236}">
+                <a16:creationId xmlns:a16="http://schemas.microsoft.com/office/drawing/2014/main" id="{7FD34EB8-C1D8-4204-86F0-D22E23D2D0E5}"/>
+              </a:ext>
+            </a:extLst>
+          </p:cNvPr>
+          <p:cNvPicPr>
+            <a:picLocks noChangeAspect="1"/>
+          </p:cNvPicPr>
+          <p:nvPr/>
+        </p:nvPicPr>
+        <p:blipFill>
+          <a:blip r:embed="rId4"/>
+          <a:stretch>
+            <a:fillRect/>
+          </a:stretch>
+        </p:blipFill>
+        <p:spPr>
+          <a:xfrm>
+            <a:off x="1053484" y="4831255"/>
+            <a:ext cx="4615094" cy="3461321"/>
+          </a:xfrm>
+          <a:prstGeom prst="rect">
+            <a:avLst/>
+          </a:prstGeom>
+        </p:spPr>
+      </p:pic>
+      <p:pic>
+        <p:nvPicPr>
+          <p:cNvPr id="7" name="Picture 6">
+            <a:extLst>
+              <a:ext uri="{FF2B5EF4-FFF2-40B4-BE49-F238E27FC236}">
+                <a16:creationId xmlns:a16="http://schemas.microsoft.com/office/drawing/2014/main" id="{39405C2F-6F5F-4183-A338-2A93F8747624}"/>
+              </a:ext>
+            </a:extLst>
+          </p:cNvPr>
+          <p:cNvPicPr>
+            <a:picLocks noChangeAspect="1"/>
+          </p:cNvPicPr>
+          <p:nvPr/>
+        </p:nvPicPr>
+        <p:blipFill>
+          <a:blip r:embed="rId5"/>
+          <a:stretch>
+            <a:fillRect/>
+          </a:stretch>
+        </p:blipFill>
+        <p:spPr>
+          <a:xfrm>
+            <a:off x="769629" y="44713"/>
+            <a:ext cx="5285417" cy="3964063"/>
+          </a:xfrm>
+          <a:prstGeom prst="rect">
+            <a:avLst/>
+          </a:prstGeom>
+        </p:spPr>
+      </p:pic>
+    </p:spTree>
+    <p:extLst>
+      <p:ext uri="{BB962C8B-B14F-4D97-AF65-F5344CB8AC3E}">
+        <p14:creationId xmlns:p14="http://schemas.microsoft.com/office/powerpoint/2010/main" val="3320147109"/>
       </p:ext>
     </p:extLst>
   </p:cSld>

--- a/PaperFigure.pptx
+++ b/PaperFigure.pptx
@@ -17,6 +17,7 @@
     <p:sldId id="266" r:id="rId11"/>
     <p:sldId id="265" r:id="rId12"/>
     <p:sldId id="267" r:id="rId13"/>
+    <p:sldId id="268" r:id="rId14"/>
   </p:sldIdLst>
   <p:sldSz cx="12192000" cy="6858000"/>
   <p:notesSz cx="6858000" cy="9144000"/>
@@ -3652,7 +3653,7 @@
             <a:picLocks noChangeAspect="1"/>
             <a:extLst>
               <a:ext uri="{51228E76-BA90-4043-B771-695A4F85340A}">
-                <alf:liveFeedProps xmlns:alf="http://schemas.microsoft.com/office/drawing/2021/livefeed" xmlns=""/>
+                <alf:liveFeedProps xmlns="" xmlns:alf="http://schemas.microsoft.com/office/drawing/2021/livefeed"/>
               </a:ext>
             </a:extLst>
           </p:cNvPicPr>
@@ -11565,6 +11566,451 @@
     <p:extLst>
       <p:ext uri="{BB962C8B-B14F-4D97-AF65-F5344CB8AC3E}">
         <p14:creationId xmlns:p14="http://schemas.microsoft.com/office/powerpoint/2010/main" val="3320147109"/>
+      </p:ext>
+    </p:extLst>
+  </p:cSld>
+  <p:clrMapOvr>
+    <a:masterClrMapping/>
+  </p:clrMapOvr>
+</p:sld>
+</file>
+
+<file path=ppt/slides/slide13.xml><?xml version="1.0" encoding="utf-8"?>
+<p:sld xmlns:a="http://schemas.openxmlformats.org/drawingml/2006/main" xmlns:r="http://schemas.openxmlformats.org/officeDocument/2006/relationships" xmlns:p="http://schemas.openxmlformats.org/presentationml/2006/main">
+  <p:cSld>
+    <p:spTree>
+      <p:nvGrpSpPr>
+        <p:cNvPr id="1" name=""/>
+        <p:cNvGrpSpPr/>
+        <p:nvPr/>
+      </p:nvGrpSpPr>
+      <p:grpSpPr>
+        <a:xfrm>
+          <a:off x="0" y="0"/>
+          <a:ext cx="0" cy="0"/>
+          <a:chOff x="0" y="0"/>
+          <a:chExt cx="0" cy="0"/>
+        </a:xfrm>
+      </p:grpSpPr>
+      <p:grpSp>
+        <p:nvGrpSpPr>
+          <p:cNvPr id="6" name="Group 5">
+            <a:extLst>
+              <a:ext uri="{FF2B5EF4-FFF2-40B4-BE49-F238E27FC236}">
+                <a16:creationId xmlns:a16="http://schemas.microsoft.com/office/drawing/2014/main" id="{918D2F38-AF43-4068-A6DC-472695B9A057}"/>
+              </a:ext>
+            </a:extLst>
+          </p:cNvPr>
+          <p:cNvGrpSpPr/>
+          <p:nvPr/>
+        </p:nvGrpSpPr>
+        <p:grpSpPr>
+          <a:xfrm>
+            <a:off x="651347" y="807395"/>
+            <a:ext cx="6667500" cy="5000625"/>
+            <a:chOff x="1556020" y="588219"/>
+            <a:chExt cx="6667500" cy="5000625"/>
+          </a:xfrm>
+        </p:grpSpPr>
+        <p:pic>
+          <p:nvPicPr>
+            <p:cNvPr id="2" name="Picture 1">
+              <a:extLst>
+                <a:ext uri="{FF2B5EF4-FFF2-40B4-BE49-F238E27FC236}">
+                  <a16:creationId xmlns:a16="http://schemas.microsoft.com/office/drawing/2014/main" id="{6C82732A-8E13-47D6-BC62-449FDA16955C}"/>
+                </a:ext>
+              </a:extLst>
+            </p:cNvPr>
+            <p:cNvPicPr>
+              <a:picLocks noChangeAspect="1"/>
+            </p:cNvPicPr>
+            <p:nvPr/>
+          </p:nvPicPr>
+          <p:blipFill>
+            <a:blip r:embed="rId2"/>
+            <a:stretch>
+              <a:fillRect/>
+            </a:stretch>
+          </p:blipFill>
+          <p:spPr>
+            <a:xfrm>
+              <a:off x="1556020" y="588219"/>
+              <a:ext cx="6667500" cy="5000625"/>
+            </a:xfrm>
+            <a:prstGeom prst="rect">
+              <a:avLst/>
+            </a:prstGeom>
+          </p:spPr>
+        </p:pic>
+        <mc:AlternateContent xmlns:mc="http://schemas.openxmlformats.org/markup-compatibility/2006">
+          <mc:Choice xmlns:a14="http://schemas.microsoft.com/office/drawing/2010/main" Requires="a14">
+            <p:sp>
+              <p:nvSpPr>
+                <p:cNvPr id="3" name="TextBox 2">
+                  <a:extLst>
+                    <a:ext uri="{FF2B5EF4-FFF2-40B4-BE49-F238E27FC236}">
+                      <a16:creationId xmlns:a16="http://schemas.microsoft.com/office/drawing/2014/main" id="{7E584357-07C5-4B0C-B175-A85A5CBC0836}"/>
+                    </a:ext>
+                  </a:extLst>
+                </p:cNvPr>
+                <p:cNvSpPr txBox="1"/>
+                <p:nvPr/>
+              </p:nvSpPr>
+              <p:spPr>
+                <a:xfrm>
+                  <a:off x="2475689" y="1789889"/>
+                  <a:ext cx="651753" cy="369332"/>
+                </a:xfrm>
+                <a:prstGeom prst="rect">
+                  <a:avLst/>
+                </a:prstGeom>
+                <a:noFill/>
+              </p:spPr>
+              <p:txBody>
+                <a:bodyPr wrap="square" rtlCol="0">
+                  <a:spAutoFit/>
+                </a:bodyPr>
+                <a:lstStyle/>
+                <a:p>
+                  <a14:m>
+                    <m:oMathPara xmlns:m="http://schemas.openxmlformats.org/officeDocument/2006/math">
+                      <m:oMathParaPr>
+                        <m:jc m:val="centerGroup"/>
+                      </m:oMathParaPr>
+                      <m:oMath xmlns:m="http://schemas.openxmlformats.org/officeDocument/2006/math">
+                        <m:sSub>
+                          <m:sSubPr>
+                            <m:ctrlPr>
+                              <a:rPr lang="en-US" b="0" i="1" smtClean="0">
+                                <a:latin typeface="Cambria Math" panose="02040503050406030204" pitchFamily="18" charset="0"/>
+                              </a:rPr>
+                            </m:ctrlPr>
+                          </m:sSubPr>
+                          <m:e>
+                            <m:r>
+                              <a:rPr lang="en-US" b="0" i="1" smtClean="0">
+                                <a:latin typeface="Cambria Math" panose="02040503050406030204" pitchFamily="18" charset="0"/>
+                              </a:rPr>
+                              <m:t>𝐵</m:t>
+                            </m:r>
+                          </m:e>
+                          <m:sub>
+                            <m:r>
+                              <a:rPr lang="en-US" b="0" i="1" smtClean="0">
+                                <a:latin typeface="Cambria Math" panose="02040503050406030204" pitchFamily="18" charset="0"/>
+                              </a:rPr>
+                              <m:t>0</m:t>
+                            </m:r>
+                          </m:sub>
+                        </m:sSub>
+                      </m:oMath>
+                    </m:oMathPara>
+                  </a14:m>
+                  <a:endParaRPr lang="en-US" dirty="0"/>
+                </a:p>
+              </p:txBody>
+            </p:sp>
+          </mc:Choice>
+          <mc:Fallback>
+            <p:sp>
+              <p:nvSpPr>
+                <p:cNvPr id="3" name="TextBox 2">
+                  <a:extLst>
+                    <a:ext uri="{FF2B5EF4-FFF2-40B4-BE49-F238E27FC236}">
+                      <a16:creationId xmlns:a16="http://schemas.microsoft.com/office/drawing/2014/main" id="{7E584357-07C5-4B0C-B175-A85A5CBC0836}"/>
+                    </a:ext>
+                  </a:extLst>
+                </p:cNvPr>
+                <p:cNvSpPr txBox="1">
+                  <a:spLocks noRot="1" noChangeAspect="1" noMove="1" noResize="1" noEditPoints="1" noAdjustHandles="1" noChangeArrowheads="1" noChangeShapeType="1" noTextEdit="1"/>
+                </p:cNvSpPr>
+                <p:nvPr/>
+              </p:nvSpPr>
+              <p:spPr>
+                <a:xfrm>
+                  <a:off x="2475689" y="1789889"/>
+                  <a:ext cx="651753" cy="369332"/>
+                </a:xfrm>
+                <a:prstGeom prst="rect">
+                  <a:avLst/>
+                </a:prstGeom>
+                <a:blipFill>
+                  <a:blip r:embed="rId3"/>
+                  <a:stretch>
+                    <a:fillRect/>
+                  </a:stretch>
+                </a:blipFill>
+              </p:spPr>
+              <p:txBody>
+                <a:bodyPr/>
+                <a:lstStyle/>
+                <a:p>
+                  <a:r>
+                    <a:rPr lang="en-US">
+                      <a:noFill/>
+                    </a:rPr>
+                    <a:t> </a:t>
+                  </a:r>
+                </a:p>
+              </p:txBody>
+            </p:sp>
+          </mc:Fallback>
+        </mc:AlternateContent>
+        <mc:AlternateContent xmlns:mc="http://schemas.openxmlformats.org/markup-compatibility/2006">
+          <mc:Choice xmlns:a14="http://schemas.microsoft.com/office/drawing/2010/main" Requires="a14">
+            <p:sp>
+              <p:nvSpPr>
+                <p:cNvPr id="4" name="TextBox 3">
+                  <a:extLst>
+                    <a:ext uri="{FF2B5EF4-FFF2-40B4-BE49-F238E27FC236}">
+                      <a16:creationId xmlns:a16="http://schemas.microsoft.com/office/drawing/2014/main" id="{4E2AD983-7F1B-4D20-93CB-61F6105572E3}"/>
+                    </a:ext>
+                  </a:extLst>
+                </p:cNvPr>
+                <p:cNvSpPr txBox="1"/>
+                <p:nvPr/>
+              </p:nvSpPr>
+              <p:spPr>
+                <a:xfrm>
+                  <a:off x="3025302" y="1789889"/>
+                  <a:ext cx="340468" cy="410305"/>
+                </a:xfrm>
+                <a:prstGeom prst="rect">
+                  <a:avLst/>
+                </a:prstGeom>
+                <a:noFill/>
+              </p:spPr>
+              <p:txBody>
+                <a:bodyPr wrap="square" rtlCol="0">
+                  <a:spAutoFit/>
+                </a:bodyPr>
+                <a:lstStyle/>
+                <a:p>
+                  <a14:m>
+                    <m:oMathPara xmlns:m="http://schemas.openxmlformats.org/officeDocument/2006/math">
+                      <m:oMathParaPr>
+                        <m:jc m:val="centerGroup"/>
+                      </m:oMathParaPr>
+                      <m:oMath xmlns:m="http://schemas.openxmlformats.org/officeDocument/2006/math">
+                        <m:acc>
+                          <m:accPr>
+                            <m:chr m:val="⃗"/>
+                            <m:ctrlPr>
+                              <a:rPr lang="en-US" b="0" i="1" smtClean="0">
+                                <a:latin typeface="Cambria Math" panose="02040503050406030204" pitchFamily="18" charset="0"/>
+                              </a:rPr>
+                            </m:ctrlPr>
+                          </m:accPr>
+                          <m:e>
+                            <m:r>
+                              <a:rPr lang="en-US" b="0" i="1" smtClean="0">
+                                <a:latin typeface="Cambria Math" panose="02040503050406030204" pitchFamily="18" charset="0"/>
+                              </a:rPr>
+                              <m:t>𝑘</m:t>
+                            </m:r>
+                          </m:e>
+                        </m:acc>
+                      </m:oMath>
+                    </m:oMathPara>
+                  </a14:m>
+                  <a:endParaRPr lang="en-US" dirty="0"/>
+                </a:p>
+              </p:txBody>
+            </p:sp>
+          </mc:Choice>
+          <mc:Fallback>
+            <p:sp>
+              <p:nvSpPr>
+                <p:cNvPr id="4" name="TextBox 3">
+                  <a:extLst>
+                    <a:ext uri="{FF2B5EF4-FFF2-40B4-BE49-F238E27FC236}">
+                      <a16:creationId xmlns:a16="http://schemas.microsoft.com/office/drawing/2014/main" id="{4E2AD983-7F1B-4D20-93CB-61F6105572E3}"/>
+                    </a:ext>
+                  </a:extLst>
+                </p:cNvPr>
+                <p:cNvSpPr txBox="1">
+                  <a:spLocks noRot="1" noChangeAspect="1" noMove="1" noResize="1" noEditPoints="1" noAdjustHandles="1" noChangeArrowheads="1" noChangeShapeType="1" noTextEdit="1"/>
+                </p:cNvSpPr>
+                <p:nvPr/>
+              </p:nvSpPr>
+              <p:spPr>
+                <a:xfrm>
+                  <a:off x="3025302" y="1789889"/>
+                  <a:ext cx="340468" cy="410305"/>
+                </a:xfrm>
+                <a:prstGeom prst="rect">
+                  <a:avLst/>
+                </a:prstGeom>
+                <a:blipFill>
+                  <a:blip r:embed="rId4"/>
+                  <a:stretch>
+                    <a:fillRect/>
+                  </a:stretch>
+                </a:blipFill>
+              </p:spPr>
+              <p:txBody>
+                <a:bodyPr/>
+                <a:lstStyle/>
+                <a:p>
+                  <a:r>
+                    <a:rPr lang="en-US">
+                      <a:noFill/>
+                    </a:rPr>
+                    <a:t> </a:t>
+                  </a:r>
+                </a:p>
+              </p:txBody>
+            </p:sp>
+          </mc:Fallback>
+        </mc:AlternateContent>
+        <mc:AlternateContent xmlns:mc="http://schemas.openxmlformats.org/markup-compatibility/2006">
+          <mc:Choice xmlns:a14="http://schemas.microsoft.com/office/drawing/2010/main" Requires="a14">
+            <p:sp>
+              <p:nvSpPr>
+                <p:cNvPr id="5" name="TextBox 4">
+                  <a:extLst>
+                    <a:ext uri="{FF2B5EF4-FFF2-40B4-BE49-F238E27FC236}">
+                      <a16:creationId xmlns:a16="http://schemas.microsoft.com/office/drawing/2014/main" id="{4CEB0BFF-0B21-4BD8-BDE1-4F2A34FC9090}"/>
+                    </a:ext>
+                  </a:extLst>
+                </p:cNvPr>
+                <p:cNvSpPr txBox="1"/>
+                <p:nvPr/>
+              </p:nvSpPr>
+              <p:spPr>
+                <a:xfrm>
+                  <a:off x="2577829" y="3593283"/>
+                  <a:ext cx="768485" cy="369332"/>
+                </a:xfrm>
+                <a:prstGeom prst="rect">
+                  <a:avLst/>
+                </a:prstGeom>
+                <a:noFill/>
+              </p:spPr>
+              <p:txBody>
+                <a:bodyPr wrap="square" rtlCol="0">
+                  <a:spAutoFit/>
+                </a:bodyPr>
+                <a:lstStyle/>
+                <a:p>
+                  <a14:m>
+                    <m:oMathPara xmlns:m="http://schemas.openxmlformats.org/officeDocument/2006/math">
+                      <m:oMathParaPr>
+                        <m:jc m:val="centerGroup"/>
+                      </m:oMathParaPr>
+                      <m:oMath xmlns:m="http://schemas.openxmlformats.org/officeDocument/2006/math">
+                        <m:sSub>
+                          <m:sSubPr>
+                            <m:ctrlPr>
+                              <a:rPr lang="en-US" b="0" i="1" smtClean="0">
+                                <a:latin typeface="Cambria Math" panose="02040503050406030204" pitchFamily="18" charset="0"/>
+                              </a:rPr>
+                            </m:ctrlPr>
+                          </m:sSubPr>
+                          <m:e>
+                            <m:r>
+                              <a:rPr lang="en-US" b="0" i="1" smtClean="0">
+                                <a:latin typeface="Cambria Math" panose="02040503050406030204" pitchFamily="18" charset="0"/>
+                              </a:rPr>
+                              <m:t>𝐸</m:t>
+                            </m:r>
+                          </m:e>
+                          <m:sub>
+                            <m:r>
+                              <a:rPr lang="en-US" b="0" i="1" smtClean="0">
+                                <a:latin typeface="Cambria Math" panose="02040503050406030204" pitchFamily="18" charset="0"/>
+                              </a:rPr>
+                              <m:t>0</m:t>
+                            </m:r>
+                          </m:sub>
+                        </m:sSub>
+                      </m:oMath>
+                    </m:oMathPara>
+                  </a14:m>
+                  <a:endParaRPr lang="en-US" dirty="0"/>
+                </a:p>
+              </p:txBody>
+            </p:sp>
+          </mc:Choice>
+          <mc:Fallback>
+            <p:sp>
+              <p:nvSpPr>
+                <p:cNvPr id="5" name="TextBox 4">
+                  <a:extLst>
+                    <a:ext uri="{FF2B5EF4-FFF2-40B4-BE49-F238E27FC236}">
+                      <a16:creationId xmlns:a16="http://schemas.microsoft.com/office/drawing/2014/main" id="{4CEB0BFF-0B21-4BD8-BDE1-4F2A34FC9090}"/>
+                    </a:ext>
+                  </a:extLst>
+                </p:cNvPr>
+                <p:cNvSpPr txBox="1">
+                  <a:spLocks noRot="1" noChangeAspect="1" noMove="1" noResize="1" noEditPoints="1" noAdjustHandles="1" noChangeArrowheads="1" noChangeShapeType="1" noTextEdit="1"/>
+                </p:cNvSpPr>
+                <p:nvPr/>
+              </p:nvSpPr>
+              <p:spPr>
+                <a:xfrm>
+                  <a:off x="2577829" y="3593283"/>
+                  <a:ext cx="768485" cy="369332"/>
+                </a:xfrm>
+                <a:prstGeom prst="rect">
+                  <a:avLst/>
+                </a:prstGeom>
+                <a:blipFill>
+                  <a:blip r:embed="rId5"/>
+                  <a:stretch>
+                    <a:fillRect/>
+                  </a:stretch>
+                </a:blipFill>
+              </p:spPr>
+              <p:txBody>
+                <a:bodyPr/>
+                <a:lstStyle/>
+                <a:p>
+                  <a:r>
+                    <a:rPr lang="en-US">
+                      <a:noFill/>
+                    </a:rPr>
+                    <a:t> </a:t>
+                  </a:r>
+                </a:p>
+              </p:txBody>
+            </p:sp>
+          </mc:Fallback>
+        </mc:AlternateContent>
+      </p:grpSp>
+      <p:pic>
+        <p:nvPicPr>
+          <p:cNvPr id="7" name="Picture 6">
+            <a:extLst>
+              <a:ext uri="{FF2B5EF4-FFF2-40B4-BE49-F238E27FC236}">
+                <a16:creationId xmlns:a16="http://schemas.microsoft.com/office/drawing/2014/main" id="{495F5608-75EC-41E3-B5C0-72325C4E6EF2}"/>
+              </a:ext>
+            </a:extLst>
+          </p:cNvPr>
+          <p:cNvPicPr>
+            <a:picLocks noChangeAspect="1"/>
+          </p:cNvPicPr>
+          <p:nvPr/>
+        </p:nvPicPr>
+        <p:blipFill rotWithShape="1">
+          <a:blip r:embed="rId6"/>
+          <a:srcRect l="6184" t="10061" r="18703" b="7146"/>
+          <a:stretch/>
+        </p:blipFill>
+        <p:spPr>
+          <a:xfrm>
+            <a:off x="5418306" y="807395"/>
+            <a:ext cx="5009746" cy="4143984"/>
+          </a:xfrm>
+          <a:prstGeom prst="rect">
+            <a:avLst/>
+          </a:prstGeom>
+        </p:spPr>
+      </p:pic>
+    </p:spTree>
+    <p:extLst>
+      <p:ext uri="{BB962C8B-B14F-4D97-AF65-F5344CB8AC3E}">
+        <p14:creationId xmlns:p14="http://schemas.microsoft.com/office/powerpoint/2010/main" val="2903108342"/>
       </p:ext>
     </p:extLst>
   </p:cSld>
